--- a/source_2021/2_day_stat_regression/source/기초통계 - 변동계수.pptx
+++ b/source_2021/2_day_stat_regression/source/기초통계 - 변동계수.pptx
@@ -3680,16 +3680,8 @@
               <a:t>:</a:t>
             </a:r>
             <a:r>
-              <a:rPr lang="ko-KR" altLang="en-US" sz="1800" b="0" dirty="0"/>
-              <a:t> </a:t>
-            </a:r>
-            <a:r>
-              <a:rPr lang="en-US" altLang="ko-KR" sz="1800" b="0" dirty="0"/>
-              <a:t>N</a:t>
-            </a:r>
-            <a:r>
-              <a:rPr lang="ko-KR" altLang="en-US" sz="1800" b="0" dirty="0"/>
-              <a:t>개의 자료에 대해 산술평균을 구하는 방법</a:t>
+              <a:rPr lang="ko-KR" altLang="en-US" sz="1800" b="0"/>
+              <a:t> 표준편차를 평균으로 나눈 값</a:t>
             </a:r>
             <a:endParaRPr lang="ko-KR" altLang="en-US" b="0" dirty="0"/>
           </a:p>
